--- a/JavaScript/Week3/Week3.pptx
+++ b/JavaScript/Week3/Week3.pptx
@@ -38,7 +38,8 @@
     <p:sldId id="287" r:id="rId32"/>
     <p:sldId id="288" r:id="rId33"/>
     <p:sldId id="289" r:id="rId34"/>
-    <p:sldId id="290" r:id="rId35"/>
+    <p:sldId id="291" r:id="rId35"/>
+    <p:sldId id="290" r:id="rId36"/>
   </p:sldIdLst>
   <p:sldSz cx="12192000" cy="6858000"/>
   <p:notesSz cx="6858000" cy="9144000"/>
@@ -5386,13 +5387,8 @@
           <a:p>
             <a:r>
               <a:rPr lang="en-US" dirty="0"/>
-              <a:t>let s3 = new String("Some Text"); //appropriate way </a:t>
-            </a:r>
-            <a:r>
-              <a:rPr lang="en-US"/>
-              <a:t>to create STRING OBJECT..</a:t>
-            </a:r>
-            <a:endParaRPr lang="en-US" dirty="0"/>
+              <a:t>let s3 = new String("Some Text"); //appropriate way to create STRING OBJECT..</a:t>
+            </a:r>
           </a:p>
           <a:p>
             <a:r>
@@ -6872,10 +6868,15 @@
             <p:ph idx="1"/>
           </p:nvPr>
         </p:nvSpPr>
-        <p:spPr/>
+        <p:spPr>
+          <a:xfrm>
+            <a:off x="838200" y="1825624"/>
+            <a:ext cx="10515600" cy="5032375"/>
+          </a:xfrm>
+        </p:spPr>
         <p:txBody>
           <a:bodyPr>
-            <a:normAutofit fontScale="92500" lnSpcReduction="10000"/>
+            <a:normAutofit fontScale="92500"/>
           </a:bodyPr>
           <a:lstStyle/>
           <a:p>
@@ -6992,6 +6993,89 @@
           <p:cNvPr id="2" name="Title 1">
             <a:extLst>
               <a:ext uri="{FF2B5EF4-FFF2-40B4-BE49-F238E27FC236}">
+                <a16:creationId xmlns:a16="http://schemas.microsoft.com/office/drawing/2014/main" id="{DF7FFEDB-D093-8429-EE54-067C93E67D41}"/>
+              </a:ext>
+            </a:extLst>
+          </p:cNvPr>
+          <p:cNvSpPr>
+            <a:spLocks noGrp="1"/>
+          </p:cNvSpPr>
+          <p:nvPr>
+            <p:ph type="title"/>
+          </p:nvPr>
+        </p:nvSpPr>
+        <p:spPr/>
+        <p:txBody>
+          <a:bodyPr/>
+          <a:lstStyle/>
+          <a:p>
+            <a:r>
+              <a:rPr lang="en-US" dirty="0"/>
+              <a:t>for of..</a:t>
+            </a:r>
+          </a:p>
+        </p:txBody>
+      </p:sp>
+      <p:sp>
+        <p:nvSpPr>
+          <p:cNvPr id="3" name="Content Placeholder 2">
+            <a:extLst>
+              <a:ext uri="{FF2B5EF4-FFF2-40B4-BE49-F238E27FC236}">
+                <a16:creationId xmlns:a16="http://schemas.microsoft.com/office/drawing/2014/main" id="{D67C82EA-DEBB-E959-AD72-54D8A3B9E43C}"/>
+              </a:ext>
+            </a:extLst>
+          </p:cNvPr>
+          <p:cNvSpPr>
+            <a:spLocks noGrp="1"/>
+          </p:cNvSpPr>
+          <p:nvPr>
+            <p:ph idx="1"/>
+          </p:nvPr>
+        </p:nvSpPr>
+        <p:spPr/>
+        <p:txBody>
+          <a:bodyPr/>
+          <a:lstStyle/>
+          <a:p>
+            <a:endParaRPr lang="en-US" dirty="0"/>
+          </a:p>
+        </p:txBody>
+      </p:sp>
+    </p:spTree>
+    <p:extLst>
+      <p:ext uri="{BB962C8B-B14F-4D97-AF65-F5344CB8AC3E}">
+        <p14:creationId xmlns:p14="http://schemas.microsoft.com/office/powerpoint/2010/main" val="3906453059"/>
+      </p:ext>
+    </p:extLst>
+  </p:cSld>
+  <p:clrMapOvr>
+    <a:masterClrMapping/>
+  </p:clrMapOvr>
+</p:sld>
+</file>
+
+<file path=ppt/slides/slide35.xml><?xml version="1.0" encoding="utf-8"?>
+<p:sld xmlns:a="http://schemas.openxmlformats.org/drawingml/2006/main" xmlns:r="http://schemas.openxmlformats.org/officeDocument/2006/relationships" xmlns:p="http://schemas.openxmlformats.org/presentationml/2006/main">
+  <p:cSld>
+    <p:spTree>
+      <p:nvGrpSpPr>
+        <p:cNvPr id="1" name=""/>
+        <p:cNvGrpSpPr/>
+        <p:nvPr/>
+      </p:nvGrpSpPr>
+      <p:grpSpPr>
+        <a:xfrm>
+          <a:off x="0" y="0"/>
+          <a:ext cx="0" cy="0"/>
+          <a:chOff x="0" y="0"/>
+          <a:chExt cx="0" cy="0"/>
+        </a:xfrm>
+      </p:grpSpPr>
+      <p:sp>
+        <p:nvSpPr>
+          <p:cNvPr id="2" name="Title 1">
+            <a:extLst>
+              <a:ext uri="{FF2B5EF4-FFF2-40B4-BE49-F238E27FC236}">
                 <a16:creationId xmlns:a16="http://schemas.microsoft.com/office/drawing/2014/main" id="{434665B1-92AA-DCB0-48CC-99DB0BF130AC}"/>
               </a:ext>
             </a:extLst>
@@ -7037,8 +7121,19 @@
           <a:lstStyle/>
           <a:p>
             <a:r>
+              <a:rPr lang="en-US" dirty="0"/>
+              <a:t>What is </a:t>
+            </a:r>
+            <a:r>
               <a:rPr lang="en-US"/>
-              <a:t>Week4..</a:t>
+              <a:t>Regular Expression???</a:t>
+            </a:r>
+            <a:endParaRPr lang="en-US" dirty="0"/>
+          </a:p>
+          <a:p>
+            <a:r>
+              <a:rPr lang="en-US" dirty="0"/>
+              <a:t> Week4..</a:t>
             </a:r>
           </a:p>
         </p:txBody>
